--- a/docs/PSI1619I_DuarteCunha_2219096_ApresentaçãoDefesa.pptx
+++ b/docs/PSI1619I_DuarteCunha_2219096_ApresentaçãoDefesa.pptx
@@ -249,7 +249,7 @@
             <a:pPr rtl="0"/>
             <a:fld id="{76D35379-3B5A-4DFF-B31E-3CE560A4B292}" type="datetime1">
               <a:rPr lang="pt-PT" smtClean="0"/>
-              <a:t>27/06/2021</a:t>
+              <a:t>29/06/2021</a:t>
             </a:fld>
             <a:endParaRPr lang="pt-PT"/>
           </a:p>
@@ -431,7 +431,7 @@
             <a:pPr rtl="0"/>
             <a:fld id="{4A6FB8B7-5B8A-4F63-910D-B640A21B898D}" type="datetime1">
               <a:rPr lang="pt-PT" noProof="0" smtClean="0"/>
-              <a:t>27/06/2021</a:t>
+              <a:t>29/06/2021</a:t>
             </a:fld>
             <a:endParaRPr lang="pt-PT" noProof="0"/>
           </a:p>
@@ -9459,8 +9459,13 @@
             </a:pPr>
             <a:r>
               <a:rPr lang="pt-PT" sz="1800" dirty="0"/>
-              <a:t>É necessário haver uma ligação à internet</a:t>
-            </a:r>
+              <a:t>É necessário haver uma ligação à </a:t>
+            </a:r>
+            <a:r>
+              <a:rPr lang="pt-PT" sz="1800" dirty="0" smtClean="0"/>
+              <a:t>internet.</a:t>
+            </a:r>
+            <a:endParaRPr lang="pt-PT" sz="1800" dirty="0"/>
           </a:p>
           <a:p>
             <a:pPr>
@@ -9468,17 +9473,10 @@
               <a:buChar char="-"/>
             </a:pPr>
             <a:r>
-              <a:rPr lang="pt-PT" sz="1800" dirty="0"/>
-              <a:t>Ter 1 GB de </a:t>
-            </a:r>
-            <a:r>
-              <a:rPr lang="pt-PT" sz="1800" dirty="0" err="1"/>
-              <a:t>Ram</a:t>
-            </a:r>
-            <a:r>
-              <a:rPr lang="pt-PT" sz="1800" dirty="0"/>
-              <a:t> no mínimo</a:t>
-            </a:r>
+              <a:rPr lang="pt-PT" sz="1800" dirty="0" smtClean="0"/>
+              <a:t>Ter um portátil ou um desktop com Windows.</a:t>
+            </a:r>
+            <a:endParaRPr lang="pt-PT" sz="1800" dirty="0"/>
           </a:p>
           <a:p>
             <a:pPr marL="0" indent="0">
@@ -9496,8 +9494,21 @@
             </a:pPr>
             <a:r>
               <a:rPr lang="pt-PT" sz="1800" dirty="0"/>
-              <a:t>É eficaz e rápido </a:t>
-            </a:r>
+              <a:t>É </a:t>
+            </a:r>
+            <a:r>
+              <a:rPr lang="pt-PT" sz="1800" dirty="0" smtClean="0"/>
+              <a:t>eficiente </a:t>
+            </a:r>
+            <a:r>
+              <a:rPr lang="pt-PT" sz="1800" dirty="0"/>
+              <a:t>e </a:t>
+            </a:r>
+            <a:r>
+              <a:rPr lang="pt-PT" sz="1800" dirty="0" smtClean="0"/>
+              <a:t>rápido. </a:t>
+            </a:r>
+            <a:endParaRPr lang="pt-PT" sz="1800" dirty="0"/>
           </a:p>
           <a:p>
             <a:pPr>
@@ -9521,9 +9532,10 @@
               <a:t>friendly</a:t>
             </a:r>
             <a:r>
-              <a:rPr lang="pt-PT" sz="1800" dirty="0"/>
-              <a:t>”</a:t>
-            </a:r>
+              <a:rPr lang="pt-PT" sz="1800" dirty="0" smtClean="0"/>
+              <a:t>”.</a:t>
+            </a:r>
+            <a:endParaRPr lang="pt-PT" sz="1800" dirty="0"/>
           </a:p>
           <a:p>
             <a:pPr>
@@ -9532,8 +9544,23 @@
             </a:pPr>
             <a:r>
               <a:rPr lang="pt-PT" sz="1800" dirty="0"/>
-              <a:t>Tem um ótimo desempenho</a:t>
-            </a:r>
+              <a:t>Tem um </a:t>
+            </a:r>
+            <a:r>
+              <a:rPr lang="pt-PT" sz="1800" dirty="0" smtClean="0"/>
+              <a:t>bom desempenho.</a:t>
+            </a:r>
+          </a:p>
+          <a:p>
+            <a:pPr>
+              <a:buFontTx/>
+              <a:buChar char="-"/>
+            </a:pPr>
+            <a:r>
+              <a:rPr lang="pt-PT" sz="1800" dirty="0" smtClean="0"/>
+              <a:t>É grátis!</a:t>
+            </a:r>
+            <a:endParaRPr lang="pt-PT" sz="1800" dirty="0"/>
           </a:p>
         </p:txBody>
       </p:sp>
@@ -9700,13 +9727,18 @@
               </a:spcAft>
             </a:pPr>
             <a:r>
-              <a:rPr lang="pt-PT" sz="5400" kern="1200" dirty="0">
+              <a:rPr lang="pt-PT" sz="5400" kern="1200" dirty="0" smtClean="0">
                 <a:latin typeface="+mj-lt"/>
                 <a:ea typeface="+mj-ea"/>
                 <a:cs typeface="+mj-cs"/>
               </a:rPr>
-              <a:t>Questões?</a:t>
-            </a:r>
+              <a:t>Questões!?</a:t>
+            </a:r>
+            <a:endParaRPr lang="pt-PT" sz="5400" kern="1200" dirty="0">
+              <a:latin typeface="+mj-lt"/>
+              <a:ea typeface="+mj-ea"/>
+              <a:cs typeface="+mj-cs"/>
+            </a:endParaRPr>
           </a:p>
         </p:txBody>
       </p:sp>
@@ -9917,8 +9949,13 @@
             <a:pPr rtl="0"/>
             <a:r>
               <a:rPr lang="pt-PT" dirty="0"/>
-              <a:t>- Tem todas a funções e informações necessárias para o correto funcionamento de uma biblioteca.</a:t>
-            </a:r>
+              <a:t>- Tem todas a funções e informações </a:t>
+            </a:r>
+            <a:r>
+              <a:rPr lang="pt-PT" dirty="0" smtClean="0"/>
+              <a:t>necessárias.</a:t>
+            </a:r>
+            <a:endParaRPr lang="pt-PT" dirty="0"/>
           </a:p>
         </p:txBody>
       </p:sp>
@@ -9974,7 +10011,7 @@
         </p:nvSpPr>
         <p:spPr>
           <a:xfrm>
-            <a:off x="612647" y="6387706"/>
+            <a:off x="725382" y="6387706"/>
             <a:ext cx="1833694" cy="285634"/>
           </a:xfrm>
           <a:prstGeom prst="rect">
@@ -10155,9 +10192,10 @@
           <a:p>
             <a:pPr rtl="0"/>
             <a:r>
-              <a:rPr lang="pt-PT" dirty="0"/>
-              <a:t>Tecnologias</a:t>
-            </a:r>
+              <a:rPr lang="pt-PT" dirty="0" smtClean="0"/>
+              <a:t>Tecnologias e Bibliotecas</a:t>
+            </a:r>
+            <a:endParaRPr lang="pt-PT" dirty="0"/>
           </a:p>
         </p:txBody>
       </p:sp>
@@ -10214,8 +10252,8 @@
         </p:blipFill>
         <p:spPr>
           <a:xfrm>
-            <a:off x="1115568" y="3007363"/>
-            <a:ext cx="2368420" cy="2368420"/>
+            <a:off x="2875850" y="4808578"/>
+            <a:ext cx="1547771" cy="1547771"/>
           </a:xfrm>
           <a:prstGeom prst="rect">
             <a:avLst/>
@@ -10244,8 +10282,8 @@
         </p:blipFill>
         <p:spPr>
           <a:xfrm>
-            <a:off x="4126959" y="3044026"/>
-            <a:ext cx="4145345" cy="2331757"/>
+            <a:off x="4683644" y="4655991"/>
+            <a:ext cx="3031974" cy="1705486"/>
           </a:xfrm>
           <a:prstGeom prst="rect">
             <a:avLst/>
@@ -10274,8 +10312,8 @@
         </p:blipFill>
         <p:spPr>
           <a:xfrm>
-            <a:off x="8708014" y="3097109"/>
-            <a:ext cx="2234682" cy="2234682"/>
+            <a:off x="8001613" y="4699439"/>
+            <a:ext cx="1618590" cy="1618590"/>
           </a:xfrm>
           <a:prstGeom prst="rect">
             <a:avLst/>
@@ -10332,6 +10370,165 @@
           </a:p>
         </p:txBody>
       </p:sp>
+      <p:pic>
+        <p:nvPicPr>
+          <p:cNvPr id="3" name="Imagem 2"/>
+          <p:cNvPicPr>
+            <a:picLocks noChangeAspect="1"/>
+          </p:cNvPicPr>
+          <p:nvPr/>
+        </p:nvPicPr>
+        <p:blipFill>
+          <a:blip r:embed="rId6">
+            <a:extLst>
+              <a:ext uri="{28A0092B-C50C-407E-A947-70E740481C1C}">
+                <a14:useLocalDpi xmlns:a14="http://schemas.microsoft.com/office/drawing/2010/main" val="0"/>
+              </a:ext>
+            </a:extLst>
+          </a:blip>
+          <a:stretch>
+            <a:fillRect/>
+          </a:stretch>
+        </p:blipFill>
+        <p:spPr>
+          <a:xfrm>
+            <a:off x="2924989" y="2587311"/>
+            <a:ext cx="1449495" cy="1449495"/>
+          </a:xfrm>
+          <a:prstGeom prst="rect">
+            <a:avLst/>
+          </a:prstGeom>
+        </p:spPr>
+      </p:pic>
+      <p:pic>
+        <p:nvPicPr>
+          <p:cNvPr id="5" name="Imagem 4"/>
+          <p:cNvPicPr>
+            <a:picLocks noChangeAspect="1"/>
+          </p:cNvPicPr>
+          <p:nvPr/>
+        </p:nvPicPr>
+        <p:blipFill>
+          <a:blip r:embed="rId7">
+            <a:extLst>
+              <a:ext uri="{BEBA8EAE-BF5A-486C-A8C5-ECC9F3942E4B}">
+                <a14:imgProps xmlns:a14="http://schemas.microsoft.com/office/drawing/2010/main">
+                  <a14:imgLayer r:embed="rId8">
+                    <a14:imgEffect>
+                      <a14:backgroundRemoval t="0" b="100000" l="0" r="100000"/>
+                    </a14:imgEffect>
+                  </a14:imgLayer>
+                </a14:imgProps>
+              </a:ext>
+              <a:ext uri="{28A0092B-C50C-407E-A947-70E740481C1C}">
+                <a14:useLocalDpi xmlns:a14="http://schemas.microsoft.com/office/drawing/2010/main" val="0"/>
+              </a:ext>
+            </a:extLst>
+          </a:blip>
+          <a:stretch>
+            <a:fillRect/>
+          </a:stretch>
+        </p:blipFill>
+        <p:spPr>
+          <a:xfrm>
+            <a:off x="5431221" y="2499987"/>
+            <a:ext cx="1536820" cy="1536820"/>
+          </a:xfrm>
+          <a:prstGeom prst="rect">
+            <a:avLst/>
+          </a:prstGeom>
+        </p:spPr>
+      </p:pic>
+      <p:sp>
+        <p:nvSpPr>
+          <p:cNvPr id="7" name="CaixaDeTexto 6"/>
+          <p:cNvSpPr txBox="1"/>
+          <p:nvPr/>
+        </p:nvSpPr>
+        <p:spPr>
+          <a:xfrm>
+            <a:off x="637562" y="2200053"/>
+            <a:ext cx="1903204" cy="369332"/>
+          </a:xfrm>
+          <a:prstGeom prst="rect">
+            <a:avLst/>
+          </a:prstGeom>
+          <a:noFill/>
+        </p:spPr>
+        <p:txBody>
+          <a:bodyPr wrap="square" rtlCol="0">
+            <a:spAutoFit/>
+          </a:bodyPr>
+          <a:lstStyle/>
+          <a:p>
+            <a:r>
+              <a:rPr lang="pt-PT" dirty="0" smtClean="0"/>
+              <a:t>Planificação:</a:t>
+            </a:r>
+            <a:endParaRPr lang="pt-PT" dirty="0"/>
+          </a:p>
+        </p:txBody>
+      </p:sp>
+      <p:sp>
+        <p:nvSpPr>
+          <p:cNvPr id="13" name="CaixaDeTexto 12"/>
+          <p:cNvSpPr txBox="1"/>
+          <p:nvPr/>
+        </p:nvSpPr>
+        <p:spPr>
+          <a:xfrm>
+            <a:off x="637562" y="4194633"/>
+            <a:ext cx="2127991" cy="369332"/>
+          </a:xfrm>
+          <a:prstGeom prst="rect">
+            <a:avLst/>
+          </a:prstGeom>
+          <a:noFill/>
+        </p:spPr>
+        <p:txBody>
+          <a:bodyPr wrap="square" rtlCol="0">
+            <a:spAutoFit/>
+          </a:bodyPr>
+          <a:lstStyle/>
+          <a:p>
+            <a:r>
+              <a:rPr lang="pt-PT" dirty="0" smtClean="0"/>
+              <a:t>Desenvolvimento:</a:t>
+            </a:r>
+            <a:endParaRPr lang="pt-PT" dirty="0"/>
+          </a:p>
+        </p:txBody>
+      </p:sp>
+      <p:pic>
+        <p:nvPicPr>
+          <p:cNvPr id="4" name="Imagem 3"/>
+          <p:cNvPicPr>
+            <a:picLocks noChangeAspect="1"/>
+          </p:cNvPicPr>
+          <p:nvPr/>
+        </p:nvPicPr>
+        <p:blipFill>
+          <a:blip r:embed="rId9">
+            <a:extLst>
+              <a:ext uri="{28A0092B-C50C-407E-A947-70E740481C1C}">
+                <a14:useLocalDpi xmlns:a14="http://schemas.microsoft.com/office/drawing/2010/main" val="0"/>
+              </a:ext>
+            </a:extLst>
+          </a:blip>
+          <a:stretch>
+            <a:fillRect/>
+          </a:stretch>
+        </p:blipFill>
+        <p:spPr>
+          <a:xfrm>
+            <a:off x="8042498" y="2499987"/>
+            <a:ext cx="1536820" cy="1536820"/>
+          </a:xfrm>
+          <a:prstGeom prst="rect">
+            <a:avLst/>
+          </a:prstGeom>
+        </p:spPr>
+      </p:pic>
     </p:spTree>
     <p:extLst>
       <p:ext uri="{BB962C8B-B14F-4D97-AF65-F5344CB8AC3E}">
@@ -12576,7 +12773,7 @@
         </p:nvSpPr>
         <p:spPr>
           <a:xfrm>
-            <a:off x="8200171" y="3423807"/>
+            <a:off x="8188672" y="3412027"/>
             <a:ext cx="260492" cy="233475"/>
           </a:xfrm>
           <a:prstGeom prst="ellipse">
@@ -13612,37 +13809,24 @@
 </file>
 
 <file path=customXml/item1.xml><?xml version="1.0" encoding="utf-8"?>
-<?mso-contentType ?>
-<FormTemplates xmlns="http://schemas.microsoft.com/sharepoint/v3/contenttype/forms">
-  <Display>DocumentLibraryForm</Display>
-  <Edit>DocumentLibraryForm</Edit>
-  <New>DocumentLibraryForm</New>
-</FormTemplates>
-</file>
-
-<file path=customXml/item2.xml><?xml version="1.0" encoding="utf-8"?>
-<ct:contentTypeSchema xmlns:ct="http://schemas.microsoft.com/office/2006/metadata/contentType" xmlns:ma="http://schemas.microsoft.com/office/2006/metadata/properties/metaAttributes" ct:_="" ma:_="" ma:contentTypeName="Document" ma:contentTypeID="0x01010079F111ED35F8CC479449609E8A0923A6" ma:contentTypeVersion="12" ma:contentTypeDescription="Create a new document." ma:contentTypeScope="" ma:versionID="426e97fa315356fffbdcd9876fe988c2">
-  <xsd:schema xmlns:xsd="http://www.w3.org/2001/XMLSchema" xmlns:xs="http://www.w3.org/2001/XMLSchema" xmlns:p="http://schemas.microsoft.com/office/2006/metadata/properties" xmlns:ns2="71af3243-3dd4-4a8d-8c0d-dd76da1f02a5" xmlns:ns3="16c05727-aa75-4e4a-9b5f-8a80a1165891" targetNamespace="http://schemas.microsoft.com/office/2006/metadata/properties" ma:root="true" ma:fieldsID="14b8f0def80e6d70ce3def20c90759ae" ns2:_="" ns3:_="">
-    <xsd:import namespace="71af3243-3dd4-4a8d-8c0d-dd76da1f02a5"/>
-    <xsd:import namespace="16c05727-aa75-4e4a-9b5f-8a80a1165891"/>
+<ct:contentTypeSchema xmlns:ct="http://schemas.microsoft.com/office/2006/metadata/contentType" xmlns:ma="http://schemas.microsoft.com/office/2006/metadata/properties/metaAttributes" ct:_="" ma:_="" ma:contentTypeName="Documento" ma:contentTypeID="0x0101009DFD039141DDC4499E1BBBD03B1B2E28" ma:contentTypeVersion="9" ma:contentTypeDescription="Criar um novo documento." ma:contentTypeScope="" ma:versionID="05e0323238debb09865de7ec65e92366">
+  <xsd:schema xmlns:xsd="http://www.w3.org/2001/XMLSchema" xmlns:xs="http://www.w3.org/2001/XMLSchema" xmlns:p="http://schemas.microsoft.com/office/2006/metadata/properties" xmlns:ns2="a7d27ad8-fec7-4792-be29-8057ccc8456d" targetNamespace="http://schemas.microsoft.com/office/2006/metadata/properties" ma:root="true" ma:fieldsID="c20ee1cc94ca1db72272cbcd57e2977c" ns2:_="">
+    <xsd:import namespace="a7d27ad8-fec7-4792-be29-8057ccc8456d"/>
     <xsd:element name="properties">
       <xsd:complexType>
         <xsd:sequence>
           <xsd:element name="documentManagement">
             <xsd:complexType>
               <xsd:all>
+                <xsd:element ref="ns2:ReferenceId" minOccurs="0"/>
                 <xsd:element ref="ns2:MediaServiceMetadata" minOccurs="0"/>
                 <xsd:element ref="ns2:MediaServiceFastMetadata" minOccurs="0"/>
+                <xsd:element ref="ns2:MediaServiceAutoTags" minOccurs="0"/>
+                <xsd:element ref="ns2:MediaServiceGenerationTime" minOccurs="0"/>
+                <xsd:element ref="ns2:MediaServiceEventHashCode" minOccurs="0"/>
                 <xsd:element ref="ns2:MediaServiceOCR" minOccurs="0"/>
-                <xsd:element ref="ns2:MediaServiceAutoTags" minOccurs="0"/>
-                <xsd:element ref="ns2:MediaServiceEventHashCode" minOccurs="0"/>
-                <xsd:element ref="ns2:MediaServiceGenerationTime" minOccurs="0"/>
-                <xsd:element ref="ns3:SharedWithUsers" minOccurs="0"/>
-                <xsd:element ref="ns3:SharedWithDetails" minOccurs="0"/>
                 <xsd:element ref="ns2:MediaServiceAutoKeyPoints" minOccurs="0"/>
                 <xsd:element ref="ns2:MediaServiceKeyPoints" minOccurs="0"/>
-                <xsd:element ref="ns2:MediaServiceDateTaken" minOccurs="0"/>
-                <xsd:element ref="ns2:Status" minOccurs="0"/>
               </xsd:all>
             </xsd:complexType>
           </xsd:element>
@@ -13650,91 +13834,52 @@
       </xsd:complexType>
     </xsd:element>
   </xsd:schema>
-  <xsd:schema xmlns:xsd="http://www.w3.org/2001/XMLSchema" xmlns:xs="http://www.w3.org/2001/XMLSchema" xmlns:dms="http://schemas.microsoft.com/office/2006/documentManagement/types" xmlns:pc="http://schemas.microsoft.com/office/infopath/2007/PartnerControls" targetNamespace="71af3243-3dd4-4a8d-8c0d-dd76da1f02a5" elementFormDefault="qualified">
+  <xsd:schema xmlns:xsd="http://www.w3.org/2001/XMLSchema" xmlns:xs="http://www.w3.org/2001/XMLSchema" xmlns:dms="http://schemas.microsoft.com/office/2006/documentManagement/types" xmlns:pc="http://schemas.microsoft.com/office/infopath/2007/PartnerControls" targetNamespace="a7d27ad8-fec7-4792-be29-8057ccc8456d" elementFormDefault="qualified">
     <xsd:import namespace="http://schemas.microsoft.com/office/2006/documentManagement/types"/>
     <xsd:import namespace="http://schemas.microsoft.com/office/infopath/2007/PartnerControls"/>
-    <xsd:element name="MediaServiceMetadata" ma:index="8" nillable="true" ma:displayName="MediaServiceMetadata" ma:hidden="true" ma:internalName="MediaServiceMetadata" ma:readOnly="true">
+    <xsd:element name="ReferenceId" ma:index="8" nillable="true" ma:displayName="ReferenceId" ma:indexed="true" ma:internalName="ReferenceId">
+      <xsd:simpleType>
+        <xsd:restriction base="dms:Text"/>
+      </xsd:simpleType>
+    </xsd:element>
+    <xsd:element name="MediaServiceMetadata" ma:index="9" nillable="true" ma:displayName="MediaServiceMetadata" ma:hidden="true" ma:internalName="MediaServiceMetadata" ma:readOnly="true">
       <xsd:simpleType>
         <xsd:restriction base="dms:Note"/>
       </xsd:simpleType>
     </xsd:element>
-    <xsd:element name="MediaServiceFastMetadata" ma:index="9" nillable="true" ma:displayName="MediaServiceFastMetadata" ma:hidden="true" ma:internalName="MediaServiceFastMetadata" ma:readOnly="true">
+    <xsd:element name="MediaServiceFastMetadata" ma:index="10" nillable="true" ma:displayName="MediaServiceFastMetadata" ma:hidden="true" ma:internalName="MediaServiceFastMetadata" ma:readOnly="true">
       <xsd:simpleType>
         <xsd:restriction base="dms:Note"/>
       </xsd:simpleType>
     </xsd:element>
-    <xsd:element name="MediaServiceOCR" ma:index="10" nillable="true" ma:displayName="MediaServiceOCR" ma:internalName="MediaServiceOCR" ma:readOnly="true">
+    <xsd:element name="MediaServiceAutoTags" ma:index="11" nillable="true" ma:displayName="Tags" ma:internalName="MediaServiceAutoTags" ma:readOnly="true">
+      <xsd:simpleType>
+        <xsd:restriction base="dms:Text"/>
+      </xsd:simpleType>
+    </xsd:element>
+    <xsd:element name="MediaServiceGenerationTime" ma:index="12" nillable="true" ma:displayName="MediaServiceGenerationTime" ma:hidden="true" ma:internalName="MediaServiceGenerationTime" ma:readOnly="true">
+      <xsd:simpleType>
+        <xsd:restriction base="dms:Text"/>
+      </xsd:simpleType>
+    </xsd:element>
+    <xsd:element name="MediaServiceEventHashCode" ma:index="13" nillable="true" ma:displayName="MediaServiceEventHashCode" ma:hidden="true" ma:internalName="MediaServiceEventHashCode" ma:readOnly="true">
+      <xsd:simpleType>
+        <xsd:restriction base="dms:Text"/>
+      </xsd:simpleType>
+    </xsd:element>
+    <xsd:element name="MediaServiceOCR" ma:index="14" nillable="true" ma:displayName="Extracted Text" ma:internalName="MediaServiceOCR" ma:readOnly="true">
       <xsd:simpleType>
         <xsd:restriction base="dms:Note">
           <xsd:maxLength value="255"/>
         </xsd:restriction>
       </xsd:simpleType>
     </xsd:element>
-    <xsd:element name="MediaServiceAutoTags" ma:index="11" nillable="true" ma:displayName="MediaServiceAutoTags" ma:internalName="MediaServiceAutoTags" ma:readOnly="true">
-      <xsd:simpleType>
-        <xsd:restriction base="dms:Text"/>
-      </xsd:simpleType>
-    </xsd:element>
-    <xsd:element name="MediaServiceEventHashCode" ma:index="12" nillable="true" ma:displayName="MediaServiceEventHashCode" ma:hidden="true" ma:internalName="MediaServiceEventHashCode" ma:readOnly="true">
-      <xsd:simpleType>
-        <xsd:restriction base="dms:Text"/>
-      </xsd:simpleType>
-    </xsd:element>
-    <xsd:element name="MediaServiceGenerationTime" ma:index="13" nillable="true" ma:displayName="MediaServiceGenerationTime" ma:hidden="true" ma:internalName="MediaServiceGenerationTime" ma:readOnly="true">
-      <xsd:simpleType>
-        <xsd:restriction base="dms:Text"/>
-      </xsd:simpleType>
-    </xsd:element>
-    <xsd:element name="MediaServiceAutoKeyPoints" ma:index="16" nillable="true" ma:displayName="MediaServiceAutoKeyPoints" ma:hidden="true" ma:internalName="MediaServiceAutoKeyPoints" ma:readOnly="true">
+    <xsd:element name="MediaServiceAutoKeyPoints" ma:index="15" nillable="true" ma:displayName="MediaServiceAutoKeyPoints" ma:hidden="true" ma:internalName="MediaServiceAutoKeyPoints" ma:readOnly="true">
       <xsd:simpleType>
         <xsd:restriction base="dms:Note"/>
       </xsd:simpleType>
     </xsd:element>
-    <xsd:element name="MediaServiceKeyPoints" ma:index="17" nillable="true" ma:displayName="KeyPoints" ma:internalName="MediaServiceKeyPoints" ma:readOnly="false">
-      <xsd:simpleType>
-        <xsd:restriction base="dms:Note">
-          <xsd:maxLength value="255"/>
-        </xsd:restriction>
-      </xsd:simpleType>
-    </xsd:element>
-    <xsd:element name="MediaServiceDateTaken" ma:index="18" nillable="true" ma:displayName="MediaServiceDateTaken" ma:hidden="true" ma:internalName="MediaServiceDateTaken" ma:readOnly="true">
-      <xsd:simpleType>
-        <xsd:restriction base="dms:Text"/>
-      </xsd:simpleType>
-    </xsd:element>
-    <xsd:element name="Status" ma:index="19" nillable="true" ma:displayName="Status" ma:default="Not started" ma:format="Dropdown" ma:internalName="Status">
-      <xsd:simpleType>
-        <xsd:restriction base="dms:Choice">
-          <xsd:enumeration value="Not started"/>
-          <xsd:enumeration value="In Progress"/>
-          <xsd:enumeration value="Completed"/>
-        </xsd:restriction>
-      </xsd:simpleType>
-    </xsd:element>
-  </xsd:schema>
-  <xsd:schema xmlns:xsd="http://www.w3.org/2001/XMLSchema" xmlns:xs="http://www.w3.org/2001/XMLSchema" xmlns:dms="http://schemas.microsoft.com/office/2006/documentManagement/types" xmlns:pc="http://schemas.microsoft.com/office/infopath/2007/PartnerControls" targetNamespace="16c05727-aa75-4e4a-9b5f-8a80a1165891" elementFormDefault="qualified">
-    <xsd:import namespace="http://schemas.microsoft.com/office/2006/documentManagement/types"/>
-    <xsd:import namespace="http://schemas.microsoft.com/office/infopath/2007/PartnerControls"/>
-    <xsd:element name="SharedWithUsers" ma:index="14" nillable="true" ma:displayName="Shared With" ma:internalName="SharedWithUsers" ma:readOnly="true">
-      <xsd:complexType>
-        <xsd:complexContent>
-          <xsd:extension base="dms:UserMulti">
-            <xsd:sequence>
-              <xsd:element name="UserInfo" minOccurs="0" maxOccurs="unbounded">
-                <xsd:complexType>
-                  <xsd:sequence>
-                    <xsd:element name="DisplayName" type="xsd:string" minOccurs="0"/>
-                    <xsd:element name="AccountId" type="dms:UserId" minOccurs="0" nillable="true"/>
-                    <xsd:element name="AccountType" type="xsd:string" minOccurs="0"/>
-                  </xsd:sequence>
-                </xsd:complexType>
-              </xsd:element>
-            </xsd:sequence>
-          </xsd:extension>
-        </xsd:complexContent>
-      </xsd:complexType>
-    </xsd:element>
-    <xsd:element name="SharedWithDetails" ma:index="15" nillable="true" ma:displayName="Shared With Details" ma:internalName="SharedWithDetails" ma:readOnly="true">
+    <xsd:element name="MediaServiceKeyPoints" ma:index="16" nillable="true" ma:displayName="KeyPoints" ma:internalName="MediaServiceKeyPoints" ma:readOnly="true">
       <xsd:simpleType>
         <xsd:restriction base="dms:Note">
           <xsd:maxLength value="255"/>
@@ -13751,8 +13896,8 @@
         <xsd:element ref="dc:creator" minOccurs="0" maxOccurs="1"/>
         <xsd:element ref="dcterms:created" minOccurs="0" maxOccurs="1"/>
         <xsd:element ref="dc:identifier" minOccurs="0" maxOccurs="1"/>
-        <xsd:element name="contentType" minOccurs="0" maxOccurs="1" type="xsd:string" ma:index="0" ma:displayName="Content Type"/>
-        <xsd:element ref="dc:title" minOccurs="0" maxOccurs="1" ma:index="4" ma:displayName="Title"/>
+        <xsd:element name="contentType" minOccurs="0" maxOccurs="1" type="xsd:string" ma:index="0" ma:displayName="Tipo de Conteúdo"/>
+        <xsd:element ref="dc:title" minOccurs="0" maxOccurs="1" ma:index="4" ma:displayName="Título"/>
         <xsd:element ref="dc:subject" minOccurs="0" maxOccurs="1"/>
         <xsd:element ref="dc:description" minOccurs="0" maxOccurs="1"/>
         <xsd:element name="keywords" minOccurs="0" maxOccurs="1" type="xsd:string"/>
@@ -13841,43 +13986,29 @@
 </ct:contentTypeSchema>
 </file>
 
-<file path=customXml/item3.xml><?xml version="1.0" encoding="utf-8"?>
+<file path=customXml/item2.xml><?xml version="1.0" encoding="utf-8"?>
 <p:properties xmlns:p="http://schemas.microsoft.com/office/2006/metadata/properties" xmlns:xsi="http://www.w3.org/2001/XMLSchema-instance" xmlns:pc="http://schemas.microsoft.com/office/infopath/2007/PartnerControls">
   <documentManagement>
-    <Status xmlns="71af3243-3dd4-4a8d-8c0d-dd76da1f02a5">Not started</Status>
-    <MediaServiceKeyPoints xmlns="71af3243-3dd4-4a8d-8c0d-dd76da1f02a5" xsi:nil="true"/>
+    <MediaServiceKeyPoints xmlns="a7d27ad8-fec7-4792-be29-8057ccc8456d" xsi:nil="true"/>
+    <ReferenceId xmlns="a7d27ad8-fec7-4792-be29-8057ccc8456d" xsi:nil="true"/>
   </documentManagement>
 </p:properties>
 </file>
 
+<file path=customXml/item3.xml><?xml version="1.0" encoding="utf-8"?>
+<?mso-contentType ?>
+<FormTemplates xmlns="http://schemas.microsoft.com/sharepoint/v3/contenttype/forms">
+  <Display>DocumentLibraryForm</Display>
+  <Edit>DocumentLibraryForm</Edit>
+  <New>DocumentLibraryForm</New>
+</FormTemplates>
+</file>
+
 <file path=customXml/itemProps1.xml><?xml version="1.0" encoding="utf-8"?>
-<ds:datastoreItem xmlns:ds="http://schemas.openxmlformats.org/officeDocument/2006/customXml" ds:itemID="{B927DC71-2909-427C-BDB0-3E47E2101517}">
-  <ds:schemaRefs>
-    <ds:schemaRef ds:uri="http://schemas.microsoft.com/sharepoint/v3/contenttype/forms"/>
-  </ds:schemaRefs>
-</ds:datastoreItem>
+<ds:datastoreItem xmlns:ds="http://schemas.openxmlformats.org/officeDocument/2006/customXml" ds:itemID="{B5551276-74C4-45A6-9682-38617F111087}"/>
 </file>
 
 <file path=customXml/itemProps2.xml><?xml version="1.0" encoding="utf-8"?>
-<ds:datastoreItem xmlns:ds="http://schemas.openxmlformats.org/officeDocument/2006/customXml" ds:itemID="{1DF0A252-5923-47A2-A53A-F9BF72908919}">
-  <ds:schemaRefs>
-    <ds:schemaRef ds:uri="http://schemas.microsoft.com/office/2006/metadata/contentType"/>
-    <ds:schemaRef ds:uri="http://schemas.microsoft.com/office/2006/metadata/properties/metaAttributes"/>
-    <ds:schemaRef ds:uri="http://www.w3.org/2001/XMLSchema"/>
-    <ds:schemaRef ds:uri="http://schemas.microsoft.com/office/2006/metadata/properties"/>
-    <ds:schemaRef ds:uri="71af3243-3dd4-4a8d-8c0d-dd76da1f02a5"/>
-    <ds:schemaRef ds:uri="16c05727-aa75-4e4a-9b5f-8a80a1165891"/>
-    <ds:schemaRef ds:uri="http://schemas.microsoft.com/office/2006/documentManagement/types"/>
-    <ds:schemaRef ds:uri="http://schemas.microsoft.com/office/infopath/2007/PartnerControls"/>
-    <ds:schemaRef ds:uri="http://schemas.openxmlformats.org/package/2006/metadata/core-properties"/>
-    <ds:schemaRef ds:uri="http://purl.org/dc/elements/1.1/"/>
-    <ds:schemaRef ds:uri="http://purl.org/dc/terms/"/>
-    <ds:schemaRef ds:uri="http://schemas.microsoft.com/internal/obd"/>
-  </ds:schemaRefs>
-</ds:datastoreItem>
-</file>
-
-<file path=customXml/itemProps3.xml><?xml version="1.0" encoding="utf-8"?>
 <ds:datastoreItem xmlns:ds="http://schemas.openxmlformats.org/officeDocument/2006/customXml" ds:itemID="{290D7697-8E53-4EA8-8CBB-9C19575257BF}">
   <ds:schemaRefs>
     <ds:schemaRef ds:uri="http://schemas.microsoft.com/office/2006/metadata/properties"/>
@@ -13885,4 +14016,12 @@
     <ds:schemaRef ds:uri="71af3243-3dd4-4a8d-8c0d-dd76da1f02a5"/>
   </ds:schemaRefs>
 </ds:datastoreItem>
+</file>
+
+<file path=customXml/itemProps3.xml><?xml version="1.0" encoding="utf-8"?>
+<ds:datastoreItem xmlns:ds="http://schemas.openxmlformats.org/officeDocument/2006/customXml" ds:itemID="{B927DC71-2909-427C-BDB0-3E47E2101517}">
+  <ds:schemaRefs>
+    <ds:schemaRef ds:uri="http://schemas.microsoft.com/sharepoint/v3/contenttype/forms"/>
+  </ds:schemaRefs>
+</ds:datastoreItem>
 </file>